--- a/slides/discussion-midterm.pptx
+++ b/slides/discussion-midterm.pptx
@@ -3148,7 +3148,7 @@
         <p:spPr/>
         <p:txBody>
           <a:bodyPr>
-            <a:normAutofit fontScale="77500" lnSpcReduction="20000"/>
+            <a:normAutofit fontScale="70000" lnSpcReduction="20000"/>
           </a:bodyPr>
           <a:lstStyle/>
           <a:p>
@@ -3255,8 +3255,28 @@
             <a:pPr lvl="2"/>
             <a:r>
               <a:rPr lang="en-US" dirty="0" smtClean="0"/>
-              <a:t>What is the important related work and why is it insufficient for your problem</a:t>
-            </a:r>
+              <a:t>What is the important related work and why is it insufficient for your </a:t>
+            </a:r>
+            <a:r>
+              <a:rPr lang="en-US" dirty="0" smtClean="0"/>
+              <a:t>problem</a:t>
+            </a:r>
+          </a:p>
+          <a:p>
+            <a:pPr lvl="2"/>
+            <a:r>
+              <a:rPr lang="en-US" b="1" dirty="0" smtClean="0"/>
+              <a:t>Remember the </a:t>
+            </a:r>
+            <a:r>
+              <a:rPr lang="en-US" b="1" dirty="0" err="1" smtClean="0"/>
+              <a:t>Heilmeier</a:t>
+            </a:r>
+            <a:r>
+              <a:rPr lang="en-US" b="1" dirty="0" smtClean="0"/>
+              <a:t> Catechism!</a:t>
+            </a:r>
+            <a:endParaRPr lang="en-US" b="1" dirty="0" smtClean="0"/>
           </a:p>
           <a:p>
             <a:r>
@@ -3392,19 +3412,7 @@
           <a:p>
             <a:r>
               <a:rPr lang="en-US" dirty="0" smtClean="0"/>
-              <a:t>I do not grade on a curve. Your </a:t>
-            </a:r>
-            <a:r>
-              <a:rPr lang="en-US" smtClean="0"/>
-              <a:t>performance is absolute, based </a:t>
-            </a:r>
-            <a:r>
-              <a:rPr lang="en-US" dirty="0" smtClean="0"/>
-              <a:t>on </a:t>
-            </a:r>
-            <a:r>
-              <a:rPr lang="en-US" smtClean="0"/>
-              <a:t>all aspects. </a:t>
+              <a:t>I do not grade on a curve. Your performance is absolute, based on all aspects. </a:t>
             </a:r>
             <a:endParaRPr lang="en-US" dirty="0"/>
           </a:p>

--- a/slides/discussion-midterm.pptx
+++ b/slides/discussion-midterm.pptx
@@ -7,6 +7,7 @@
   <p:sldIdLst>
     <p:sldId id="272" r:id="rId2"/>
     <p:sldId id="273" r:id="rId3"/>
+    <p:sldId id="274" r:id="rId4"/>
   </p:sldIdLst>
   <p:sldSz cx="9144000" cy="6858000" type="screen4x3"/>
   <p:notesSz cx="6858000" cy="9144000"/>
@@ -3340,7 +3341,7 @@
           <a:p>
             <a:r>
               <a:rPr lang="en-US" dirty="0" smtClean="0"/>
-              <a:t>Presentation Points</a:t>
+              <a:t>Participation Points</a:t>
             </a:r>
             <a:endParaRPr lang="en-US" dirty="0"/>
           </a:p>
@@ -3422,6 +3423,104 @@
     <p:extLst>
       <p:ext uri="{BB962C8B-B14F-4D97-AF65-F5344CB8AC3E}">
         <p14:creationId xmlns:p14="http://schemas.microsoft.com/office/powerpoint/2010/main" val="619494920"/>
+      </p:ext>
+    </p:extLst>
+  </p:cSld>
+  <p:clrMapOvr>
+    <a:masterClrMapping/>
+  </p:clrMapOvr>
+</p:sld>
+</file>
+
+<file path=ppt/slides/slide3.xml><?xml version="1.0" encoding="utf-8"?>
+<p:sld xmlns:a="http://schemas.openxmlformats.org/drawingml/2006/main" xmlns:r="http://schemas.openxmlformats.org/officeDocument/2006/relationships" xmlns:p="http://schemas.openxmlformats.org/presentationml/2006/main">
+  <p:cSld>
+    <p:spTree>
+      <p:nvGrpSpPr>
+        <p:cNvPr id="1" name=""/>
+        <p:cNvGrpSpPr/>
+        <p:nvPr/>
+      </p:nvGrpSpPr>
+      <p:grpSpPr>
+        <a:xfrm>
+          <a:off x="0" y="0"/>
+          <a:ext cx="0" cy="0"/>
+          <a:chOff x="0" y="0"/>
+          <a:chExt cx="0" cy="0"/>
+        </a:xfrm>
+      </p:grpSpPr>
+      <p:sp>
+        <p:nvSpPr>
+          <p:cNvPr id="2" name="Title 1"/>
+          <p:cNvSpPr>
+            <a:spLocks noGrp="1"/>
+          </p:cNvSpPr>
+          <p:nvPr>
+            <p:ph type="title"/>
+          </p:nvPr>
+        </p:nvSpPr>
+        <p:spPr/>
+        <p:txBody>
+          <a:bodyPr/>
+          <a:lstStyle/>
+          <a:p>
+            <a:r>
+              <a:rPr lang="en-US" dirty="0" smtClean="0"/>
+              <a:t>Presentations</a:t>
+            </a:r>
+            <a:endParaRPr lang="en-US" dirty="0"/>
+          </a:p>
+        </p:txBody>
+      </p:sp>
+      <p:sp>
+        <p:nvSpPr>
+          <p:cNvPr id="3" name="Content Placeholder 2"/>
+          <p:cNvSpPr>
+            <a:spLocks noGrp="1"/>
+          </p:cNvSpPr>
+          <p:nvPr>
+            <p:ph idx="1"/>
+          </p:nvPr>
+        </p:nvSpPr>
+        <p:spPr/>
+        <p:txBody>
+          <a:bodyPr/>
+          <a:lstStyle/>
+          <a:p>
+            <a:r>
+              <a:rPr lang="en-US" dirty="0" smtClean="0"/>
+              <a:t>Please send .</a:t>
+            </a:r>
+            <a:r>
+              <a:rPr lang="en-US" dirty="0" err="1" smtClean="0"/>
+              <a:t>pptx</a:t>
+            </a:r>
+            <a:r>
+              <a:rPr lang="en-US" dirty="0" smtClean="0"/>
+              <a:t> or .key files to </a:t>
+            </a:r>
+            <a:r>
+              <a:rPr lang="en-US" dirty="0" err="1" smtClean="0"/>
+              <a:t>Tarique</a:t>
+            </a:r>
+            <a:r>
+              <a:rPr lang="en-US" dirty="0" smtClean="0"/>
+              <a:t>. </a:t>
+            </a:r>
+          </a:p>
+          <a:p>
+            <a:pPr lvl="1"/>
+            <a:r>
+              <a:rPr lang="en-US" dirty="0" smtClean="0"/>
+              <a:t>Not .pdf</a:t>
+            </a:r>
+          </a:p>
+        </p:txBody>
+      </p:sp>
+    </p:spTree>
+    <p:extLst>
+      <p:ext uri="{BB962C8B-B14F-4D97-AF65-F5344CB8AC3E}">
+        <p14:creationId xmlns:p14="http://schemas.microsoft.com/office/powerpoint/2010/main" val="2049240131"/>
       </p:ext>
     </p:extLst>
   </p:cSld>

--- a/slides/discussion-midterm.pptx
+++ b/slides/discussion-midterm.pptx
@@ -3357,10 +3357,15 @@
             <p:ph idx="1"/>
           </p:nvPr>
         </p:nvSpPr>
-        <p:spPr/>
+        <p:spPr>
+          <a:xfrm>
+            <a:off x="457200" y="1600200"/>
+            <a:ext cx="8229600" cy="4780052"/>
+          </a:xfrm>
+        </p:spPr>
         <p:txBody>
           <a:bodyPr>
-            <a:normAutofit fontScale="85000" lnSpcReduction="20000"/>
+            <a:normAutofit fontScale="77500" lnSpcReduction="20000"/>
           </a:bodyPr>
           <a:lstStyle/>
           <a:p>
@@ -3374,10 +3379,11 @@
             </a:r>
             <a:r>
               <a:rPr lang="en-US" dirty="0" smtClean="0"/>
-              <a:t> counts for 5/15.</a:t>
-            </a:r>
-          </a:p>
-          <a:p>
+              <a:t> counts for 5/15</a:t>
+            </a:r>
+          </a:p>
+          <a:p>
+            <a:pPr lvl="1"/>
             <a:r>
               <a:rPr lang="en-US" dirty="0" smtClean="0"/>
               <a:t>Main way of evaluating how engaged you are in the class</a:t>
@@ -3393,14 +3399,14 @@
             <a:pPr lvl="1"/>
             <a:r>
               <a:rPr lang="en-US" dirty="0" smtClean="0"/>
-              <a:t>5/5 if you attended most of the classes AND said something in most of the classes</a:t>
+              <a:t>5/5 if you attended most of the classes AND participated actively in most of the classes</a:t>
             </a:r>
           </a:p>
           <a:p>
             <a:pPr lvl="1"/>
             <a:r>
               <a:rPr lang="en-US" dirty="0" smtClean="0"/>
-              <a:t>4/5 if you attended most of the classes AND said something in at least ~half of the classes</a:t>
+              <a:t>4/5 if you attended most of the classes AND participated actively in at least ~half of the classes</a:t>
             </a:r>
           </a:p>
           <a:p>
@@ -3415,6 +3421,38 @@
               <a:rPr lang="en-US" dirty="0" smtClean="0"/>
               <a:t>I do not grade on a curve. Your performance is absolute, based on all aspects. </a:t>
             </a:r>
+          </a:p>
+          <a:p>
+            <a:pPr marL="342900" lvl="1" indent="-342900">
+              <a:buFont typeface="Arial"/>
+              <a:buChar char="•"/>
+            </a:pPr>
+            <a:r>
+              <a:rPr lang="en-US" sz="3200" dirty="0"/>
+              <a:t>Simple way to increase this </a:t>
+            </a:r>
+            <a:r>
+              <a:rPr lang="mr-IN" sz="3200" dirty="0"/>
+              <a:t>–</a:t>
+            </a:r>
+            <a:r>
+              <a:rPr lang="en-US" sz="3200" dirty="0"/>
+              <a:t> </a:t>
+            </a:r>
+            <a:r>
+              <a:rPr lang="en-US" sz="3200"/>
+              <a:t>attend </a:t>
+            </a:r>
+            <a:r>
+              <a:rPr lang="en-US" sz="3200" smtClean="0"/>
+              <a:t>class, </a:t>
+            </a:r>
+            <a:r>
+              <a:rPr lang="en-US" sz="3200" dirty="0"/>
+              <a:t>and ask or answer questions (doesn’t matter if you’re right or wrong!)</a:t>
+            </a:r>
+          </a:p>
+          <a:p>
             <a:endParaRPr lang="en-US" dirty="0"/>
           </a:p>
         </p:txBody>
